--- a/requirement_for_task_completed/task_details.pptx
+++ b/requirement_for_task_completed/task_details.pptx
@@ -5,9 +5,9 @@
     <p:sldMasterId id="2147483648" r:id="rId1"/>
   </p:sldMasterIdLst>
   <p:sldIdLst>
-    <p:sldId id="256" r:id="rId2"/>
+    <p:sldId id="259" r:id="rId2"/>
     <p:sldId id="257" r:id="rId3"/>
-    <p:sldId id="258" r:id="rId4"/>
+    <p:sldId id="260" r:id="rId4"/>
   </p:sldIdLst>
   <p:sldSz cx="12192000" cy="6858000"/>
   <p:notesSz cx="6858000" cy="9144000"/>
@@ -2766,9 +2766,34 @@
 <p:sldMaster xmlns:a="http://schemas.openxmlformats.org/drawingml/2006/main" xmlns:r="http://schemas.openxmlformats.org/officeDocument/2006/relationships" xmlns:p="http://schemas.openxmlformats.org/presentationml/2006/main">
   <p:cSld>
     <p:bg>
-      <p:bgRef idx="1001">
-        <a:schemeClr val="bg1"/>
-      </p:bgRef>
+      <p:bgPr>
+        <a:gradFill flip="none" rotWithShape="1">
+          <a:gsLst>
+            <a:gs pos="0">
+              <a:schemeClr val="accent3">
+                <a:lumMod val="0"/>
+                <a:lumOff val="100000"/>
+              </a:schemeClr>
+            </a:gs>
+            <a:gs pos="35000">
+              <a:schemeClr val="accent3">
+                <a:lumMod val="0"/>
+                <a:lumOff val="100000"/>
+              </a:schemeClr>
+            </a:gs>
+            <a:gs pos="100000">
+              <a:schemeClr val="accent3">
+                <a:lumMod val="100000"/>
+              </a:schemeClr>
+            </a:gs>
+          </a:gsLst>
+          <a:path path="circle">
+            <a:fillToRect l="50000" t="-80000" r="50000" b="180000"/>
+          </a:path>
+          <a:tileRect/>
+        </a:gradFill>
+        <a:effectLst/>
+      </p:bgPr>
     </p:bg>
     <p:spTree>
       <p:nvGrpSpPr>
@@ -3335,6 +3360,14 @@
 <file path=ppt/slides/slide1.xml><?xml version="1.0" encoding="utf-8"?>
 <p:sld xmlns:a="http://schemas.openxmlformats.org/drawingml/2006/main" xmlns:r="http://schemas.openxmlformats.org/officeDocument/2006/relationships" xmlns:p="http://schemas.openxmlformats.org/presentationml/2006/main">
   <p:cSld>
+    <p:bg>
+      <p:bgPr>
+        <a:solidFill>
+          <a:schemeClr val="bg1"/>
+        </a:solidFill>
+        <a:effectLst/>
+      </p:bgPr>
+    </p:bg>
     <p:spTree>
       <p:nvGrpSpPr>
         <p:cNvPr id="1" name=""/>
@@ -3349,59 +3382,411 @@
           <a:chExt cx="0" cy="0"/>
         </a:xfrm>
       </p:grpSpPr>
-      <p:sp>
-        <p:nvSpPr>
-          <p:cNvPr id="4" name="TextBox 3">
-            <a:extLst>
-              <a:ext uri="{FF2B5EF4-FFF2-40B4-BE49-F238E27FC236}">
-                <a16:creationId xmlns:a16="http://schemas.microsoft.com/office/drawing/2014/main" id="{C0B33ED6-2595-4705-B7EE-1476F9C65D81}"/>
-              </a:ext>
-            </a:extLst>
-          </p:cNvPr>
-          <p:cNvSpPr txBox="1"/>
-          <p:nvPr/>
+      <p:sp useBgFill="1">
+        <p:nvSpPr>
+          <p:cNvPr id="1028" name="Rectangle 70">
+            <a:extLst>
+              <a:ext uri="{FF2B5EF4-FFF2-40B4-BE49-F238E27FC236}">
+                <a16:creationId xmlns:a16="http://schemas.microsoft.com/office/drawing/2014/main" id="{0671A8AE-40A1-4631-A6B8-581AFF065482}"/>
+              </a:ext>
+              <a:ext uri="{C183D7F6-B498-43B3-948B-1728B52AA6E4}">
+                <adec:decorative xmlns:adec="http://schemas.microsoft.com/office/drawing/2017/decorative" val="1"/>
+              </a:ext>
+            </a:extLst>
+          </p:cNvPr>
+          <p:cNvSpPr>
+            <a:spLocks noGrp="1" noRot="1" noChangeAspect="1" noMove="1" noResize="1" noEditPoints="1" noAdjustHandles="1" noChangeArrowheads="1" noChangeShapeType="1" noTextEdit="1"/>
+          </p:cNvSpPr>
+          <p:nvPr>
+            <p:extLst>
+              <p:ext uri="{386F3935-93C4-4BCD-93E2-E3B085C9AB24}">
+                <p16:designElem xmlns:p16="http://schemas.microsoft.com/office/powerpoint/2015/main" val="1"/>
+              </p:ext>
+            </p:extLst>
+          </p:nvPr>
         </p:nvSpPr>
         <p:spPr>
           <a:xfrm>
-            <a:off x="2664823" y="5290465"/>
-            <a:ext cx="6844937" cy="369332"/>
+            <a:off x="0" y="0"/>
+            <a:ext cx="12192000" cy="6858000"/>
+          </a:xfrm>
+          <a:prstGeom prst="rect">
+            <a:avLst/>
+          </a:prstGeom>
+          <a:ln>
+            <a:noFill/>
+          </a:ln>
+        </p:spPr>
+        <p:style>
+          <a:lnRef idx="2">
+            <a:schemeClr val="accent1">
+              <a:shade val="50000"/>
+            </a:schemeClr>
+          </a:lnRef>
+          <a:fillRef idx="1">
+            <a:schemeClr val="accent1"/>
+          </a:fillRef>
+          <a:effectRef idx="0">
+            <a:schemeClr val="accent1"/>
+          </a:effectRef>
+          <a:fontRef idx="minor">
+            <a:schemeClr val="lt1"/>
+          </a:fontRef>
+        </p:style>
+        <p:txBody>
+          <a:bodyPr rtlCol="0" anchor="ctr"/>
+          <a:lstStyle/>
+          <a:p>
+            <a:pPr algn="ctr"/>
+            <a:endParaRPr lang="en-US"/>
+          </a:p>
+        </p:txBody>
+      </p:sp>
+      <p:pic>
+        <p:nvPicPr>
+          <p:cNvPr id="1026" name="Picture 2" descr="innovative-ideas - HPT - Heat Pumping Technologies">
+            <a:extLst>
+              <a:ext uri="{FF2B5EF4-FFF2-40B4-BE49-F238E27FC236}">
+                <a16:creationId xmlns:a16="http://schemas.microsoft.com/office/drawing/2014/main" id="{17C36BCA-24A0-4E8F-B764-304F4E59D69F}"/>
+              </a:ext>
+            </a:extLst>
+          </p:cNvPr>
+          <p:cNvPicPr>
+            <a:picLocks noChangeAspect="1" noChangeArrowheads="1"/>
+          </p:cNvPicPr>
+          <p:nvPr/>
+        </p:nvPicPr>
+        <p:blipFill rotWithShape="1">
+          <a:blip r:embed="rId2">
+            <a:extLst>
+              <a:ext uri="{28A0092B-C50C-407E-A947-70E740481C1C}">
+                <a14:useLocalDpi xmlns:a14="http://schemas.microsoft.com/office/drawing/2010/main" val="0"/>
+              </a:ext>
+            </a:extLst>
+          </a:blip>
+          <a:srcRect t="13319" r="4509" b="11700"/>
+          <a:stretch/>
+        </p:blipFill>
+        <p:spPr bwMode="auto">
+          <a:xfrm>
+            <a:off x="3523488" y="10"/>
+            <a:ext cx="8668512" cy="6857990"/>
           </a:xfrm>
           <a:prstGeom prst="rect">
             <a:avLst/>
           </a:prstGeom>
           <a:noFill/>
+          <a:extLst>
+            <a:ext uri="{909E8E84-426E-40DD-AFC4-6F175D3DCCD1}">
+              <a14:hiddenFill xmlns:a14="http://schemas.microsoft.com/office/drawing/2010/main">
+                <a:solidFill>
+                  <a:srgbClr val="FFFFFF"/>
+                </a:solidFill>
+              </a14:hiddenFill>
+            </a:ext>
+          </a:extLst>
         </p:spPr>
-        <p:txBody>
-          <a:bodyPr wrap="square" rtlCol="0">
-            <a:spAutoFit/>
+      </p:pic>
+      <p:sp>
+        <p:nvSpPr>
+          <p:cNvPr id="73" name="Rectangle 72">
+            <a:extLst>
+              <a:ext uri="{FF2B5EF4-FFF2-40B4-BE49-F238E27FC236}">
+                <a16:creationId xmlns:a16="http://schemas.microsoft.com/office/drawing/2014/main" id="{AB58EF07-17C2-48CF-ABB0-EEF1F17CB8F0}"/>
+              </a:ext>
+              <a:ext uri="{C183D7F6-B498-43B3-948B-1728B52AA6E4}">
+                <adec:decorative xmlns:adec="http://schemas.microsoft.com/office/drawing/2017/decorative" val="1"/>
+              </a:ext>
+            </a:extLst>
+          </p:cNvPr>
+          <p:cNvSpPr>
+            <a:spLocks noGrp="1" noRot="1" noChangeAspect="1" noMove="1" noResize="1" noEditPoints="1" noAdjustHandles="1" noChangeArrowheads="1" noChangeShapeType="1" noTextEdit="1"/>
+          </p:cNvSpPr>
+          <p:nvPr>
+            <p:extLst>
+              <p:ext uri="{386F3935-93C4-4BCD-93E2-E3B085C9AB24}">
+                <p16:designElem xmlns:p16="http://schemas.microsoft.com/office/powerpoint/2015/main" val="1"/>
+              </p:ext>
+            </p:extLst>
+          </p:nvPr>
+        </p:nvSpPr>
+        <p:spPr>
+          <a:xfrm>
+            <a:off x="3" y="0"/>
+            <a:ext cx="9339206" cy="6858000"/>
+          </a:xfrm>
+          <a:prstGeom prst="rect">
+            <a:avLst/>
+          </a:prstGeom>
+          <a:gradFill>
+            <a:gsLst>
+              <a:gs pos="58000">
+                <a:schemeClr val="bg1"/>
+              </a:gs>
+              <a:gs pos="33000">
+                <a:schemeClr val="bg1">
+                  <a:alpha val="64000"/>
+                </a:schemeClr>
+              </a:gs>
+              <a:gs pos="0">
+                <a:schemeClr val="bg1">
+                  <a:alpha val="0"/>
+                </a:schemeClr>
+              </a:gs>
+              <a:gs pos="100000">
+                <a:schemeClr val="bg1"/>
+              </a:gs>
+            </a:gsLst>
+            <a:lin ang="10800000" scaled="0"/>
+          </a:gradFill>
+          <a:ln>
+            <a:noFill/>
+          </a:ln>
+        </p:spPr>
+        <p:style>
+          <a:lnRef idx="2">
+            <a:schemeClr val="accent1">
+              <a:shade val="50000"/>
+            </a:schemeClr>
+          </a:lnRef>
+          <a:fillRef idx="1">
+            <a:schemeClr val="accent1"/>
+          </a:fillRef>
+          <a:effectRef idx="0">
+            <a:schemeClr val="accent1"/>
+          </a:effectRef>
+          <a:fontRef idx="minor">
+            <a:schemeClr val="lt1"/>
+          </a:fontRef>
+        </p:style>
+        <p:txBody>
+          <a:bodyPr rtlCol="0" anchor="ctr"/>
+          <a:lstStyle/>
+          <a:p>
+            <a:pPr algn="ctr"/>
+            <a:endParaRPr lang="en-US" dirty="0"/>
+          </a:p>
+        </p:txBody>
+      </p:sp>
+      <p:sp>
+        <p:nvSpPr>
+          <p:cNvPr id="4" name="TextBox 3">
+            <a:extLst>
+              <a:ext uri="{FF2B5EF4-FFF2-40B4-BE49-F238E27FC236}">
+                <a16:creationId xmlns:a16="http://schemas.microsoft.com/office/drawing/2014/main" id="{C0B33ED6-2595-4705-B7EE-1476F9C65D81}"/>
+              </a:ext>
+            </a:extLst>
+          </p:cNvPr>
+          <p:cNvSpPr txBox="1"/>
+          <p:nvPr/>
+        </p:nvSpPr>
+        <p:spPr>
+          <a:xfrm>
+            <a:off x="477981" y="1122363"/>
+            <a:ext cx="4023360" cy="3204134"/>
+          </a:xfrm>
+          <a:prstGeom prst="rect">
+            <a:avLst/>
+          </a:prstGeom>
+        </p:spPr>
+        <p:txBody>
+          <a:bodyPr vert="horz" lIns="91440" tIns="45720" rIns="91440" bIns="45720" rtlCol="0" anchor="b">
+            <a:normAutofit/>
           </a:bodyPr>
           <a:lstStyle/>
           <a:p>
+            <a:pPr>
+              <a:lnSpc>
+                <a:spcPct val="90000"/>
+              </a:lnSpc>
+              <a:spcBef>
+                <a:spcPct val="0"/>
+              </a:spcBef>
+              <a:spcAft>
+                <a:spcPts val="600"/>
+              </a:spcAft>
+            </a:pPr>
+            <a:r>
+              <a:rPr lang="en-US" sz="4400">
+                <a:latin typeface="+mj-lt"/>
+                <a:ea typeface="+mj-ea"/>
+                <a:cs typeface="+mj-cs"/>
+              </a:rPr>
+              <a:t>Task Details for TResNet Algorithm develop and optimize</a:t>
+            </a:r>
+          </a:p>
+        </p:txBody>
+      </p:sp>
+      <p:sp>
+        <p:nvSpPr>
+          <p:cNvPr id="75" name="Rectangle 74">
+            <a:extLst>
+              <a:ext uri="{FF2B5EF4-FFF2-40B4-BE49-F238E27FC236}">
+                <a16:creationId xmlns:a16="http://schemas.microsoft.com/office/drawing/2014/main" id="{AF2F604E-43BE-4DC3-B983-E071523364F8}"/>
+              </a:ext>
+              <a:ext uri="{C183D7F6-B498-43B3-948B-1728B52AA6E4}">
+                <adec:decorative xmlns:adec="http://schemas.microsoft.com/office/drawing/2017/decorative" val="1"/>
+              </a:ext>
+            </a:extLst>
+          </p:cNvPr>
+          <p:cNvSpPr>
+            <a:spLocks noGrp="1" noRot="1" noChangeAspect="1" noMove="1" noResize="1" noEditPoints="1" noAdjustHandles="1" noChangeArrowheads="1" noChangeShapeType="1" noTextEdit="1"/>
+          </p:cNvSpPr>
+          <p:nvPr>
+            <p:extLst>
+              <p:ext uri="{386F3935-93C4-4BCD-93E2-E3B085C9AB24}">
+                <p16:designElem xmlns:p16="http://schemas.microsoft.com/office/powerpoint/2015/main" val="1"/>
+              </p:ext>
+            </p:extLst>
+          </p:nvPr>
+        </p:nvSpPr>
+        <p:spPr>
+          <a:xfrm rot="5400000">
+            <a:off x="759921" y="346791"/>
+            <a:ext cx="146304" cy="704088"/>
+          </a:xfrm>
+          <a:prstGeom prst="rect">
+            <a:avLst/>
+          </a:prstGeom>
+          <a:solidFill>
+            <a:schemeClr val="accent2"/>
+          </a:solidFill>
+          <a:ln>
+            <a:noFill/>
+          </a:ln>
+        </p:spPr>
+        <p:style>
+          <a:lnRef idx="2">
+            <a:schemeClr val="accent1">
+              <a:shade val="50000"/>
+            </a:schemeClr>
+          </a:lnRef>
+          <a:fillRef idx="1">
+            <a:schemeClr val="accent1"/>
+          </a:fillRef>
+          <a:effectRef idx="0">
+            <a:schemeClr val="accent1"/>
+          </a:effectRef>
+          <a:fontRef idx="minor">
+            <a:schemeClr val="lt1"/>
+          </a:fontRef>
+        </p:style>
+        <p:txBody>
+          <a:bodyPr rtlCol="0" anchor="ctr"/>
+          <a:lstStyle/>
+          <a:p>
             <a:pPr algn="ctr"/>
-            <a:r>
-              <a:rPr lang="en-GB" dirty="0"/>
-              <a:t>Task Details for </a:t>
-            </a:r>
-            <a:r>
-              <a:rPr lang="en-GB" dirty="0" err="1"/>
-              <a:t>TResNet</a:t>
-            </a:r>
-            <a:r>
-              <a:rPr lang="en-GB" dirty="0"/>
-              <a:t> Algorithm develop and optimize</a:t>
-            </a:r>
+            <a:endParaRPr lang="en-US">
+              <a:solidFill>
+                <a:prstClr val="white"/>
+              </a:solidFill>
+              <a:latin typeface="Calibri" panose="020F0502020204030204"/>
+            </a:endParaRPr>
+          </a:p>
+        </p:txBody>
+      </p:sp>
+      <p:sp>
+        <p:nvSpPr>
+          <p:cNvPr id="77" name="Rectangle 76">
+            <a:extLst>
+              <a:ext uri="{FF2B5EF4-FFF2-40B4-BE49-F238E27FC236}">
+                <a16:creationId xmlns:a16="http://schemas.microsoft.com/office/drawing/2014/main" id="{08C9B587-E65E-4B52-B37C-ABEBB6E87928}"/>
+              </a:ext>
+              <a:ext uri="{C183D7F6-B498-43B3-948B-1728B52AA6E4}">
+                <adec:decorative xmlns:adec="http://schemas.microsoft.com/office/drawing/2017/decorative" val="1"/>
+              </a:ext>
+            </a:extLst>
+          </p:cNvPr>
+          <p:cNvSpPr>
+            <a:spLocks noGrp="1" noRot="1" noChangeAspect="1" noMove="1" noResize="1" noEditPoints="1" noAdjustHandles="1" noChangeArrowheads="1" noChangeShapeType="1" noTextEdit="1"/>
+          </p:cNvSpPr>
+          <p:nvPr>
+            <p:extLst>
+              <p:ext uri="{386F3935-93C4-4BCD-93E2-E3B085C9AB24}">
+                <p16:designElem xmlns:p16="http://schemas.microsoft.com/office/powerpoint/2015/main" val="1"/>
+              </p:ext>
+            </p:extLst>
+          </p:nvPr>
+        </p:nvSpPr>
+        <p:spPr>
+          <a:xfrm>
+            <a:off x="481029" y="4546920"/>
+            <a:ext cx="3977640" cy="18288"/>
+          </a:xfrm>
+          <a:prstGeom prst="rect">
+            <a:avLst/>
+          </a:prstGeom>
+          <a:solidFill>
+            <a:schemeClr val="tx1"/>
+          </a:solidFill>
+          <a:ln w="3175">
+            <a:noFill/>
+          </a:ln>
+          <a:effectLst/>
+        </p:spPr>
+        <p:style>
+          <a:lnRef idx="2">
+            <a:schemeClr val="accent1">
+              <a:shade val="50000"/>
+            </a:schemeClr>
+          </a:lnRef>
+          <a:fillRef idx="1">
+            <a:schemeClr val="accent1"/>
+          </a:fillRef>
+          <a:effectRef idx="0">
+            <a:schemeClr val="accent1"/>
+          </a:effectRef>
+          <a:fontRef idx="minor">
+            <a:schemeClr val="lt1"/>
+          </a:fontRef>
+        </p:style>
+        <p:txBody>
+          <a:bodyPr rtlCol="0" anchor="ctr"/>
+          <a:lstStyle/>
+          <a:p>
+            <a:pPr marL="0" marR="0" lvl="0" indent="0" algn="ctr" defTabSz="914400" rtl="0" eaLnBrk="1" fontAlgn="auto" latinLnBrk="0" hangingPunct="1">
+              <a:lnSpc>
+                <a:spcPct val="100000"/>
+              </a:lnSpc>
+              <a:spcBef>
+                <a:spcPts val="0"/>
+              </a:spcBef>
+              <a:spcAft>
+                <a:spcPts val="0"/>
+              </a:spcAft>
+              <a:buClrTx/>
+              <a:buSzTx/>
+              <a:buFontTx/>
+              <a:buNone/>
+              <a:tabLst/>
+              <a:defRPr/>
+            </a:pPr>
+            <a:endParaRPr kumimoji="0" lang="en-US" sz="1800" b="0" i="0" u="none" strike="noStrike" kern="1200" cap="none" spc="0" normalizeH="0" baseline="0" noProof="0">
+              <a:ln>
+                <a:noFill/>
+              </a:ln>
+              <a:solidFill>
+                <a:prstClr val="white"/>
+              </a:solidFill>
+              <a:effectLst/>
+              <a:uLnTx/>
+              <a:uFillTx/>
+              <a:latin typeface="Calibri" panose="020F0502020204030204"/>
+              <a:ea typeface="+mn-ea"/>
+              <a:cs typeface="+mn-cs"/>
+            </a:endParaRPr>
           </a:p>
         </p:txBody>
       </p:sp>
     </p:spTree>
     <p:extLst>
       <p:ext uri="{BB962C8B-B14F-4D97-AF65-F5344CB8AC3E}">
-        <p14:creationId xmlns:p14="http://schemas.microsoft.com/office/powerpoint/2010/main" val="917479307"/>
+        <p14:creationId xmlns:p14="http://schemas.microsoft.com/office/powerpoint/2010/main" val="3096404356"/>
       </p:ext>
     </p:extLst>
   </p:cSld>
   <p:clrMapOvr>
-    <a:masterClrMapping/>
+    <a:overrideClrMapping bg1="dk1" tx1="lt1" bg2="dk2" tx2="lt2" accent1="accent1" accent2="accent2" accent3="accent3" accent4="accent4" accent5="accent5" accent6="accent6" hlink="hlink" folHlink="folHlink"/>
   </p:clrMapOvr>
 </p:sld>
 </file>
@@ -3409,6 +3794,41 @@
 <file path=ppt/slides/slide2.xml><?xml version="1.0" encoding="utf-8"?>
 <p:sld xmlns:a="http://schemas.openxmlformats.org/drawingml/2006/main" xmlns:r="http://schemas.openxmlformats.org/officeDocument/2006/relationships" xmlns:p="http://schemas.openxmlformats.org/presentationml/2006/main">
   <p:cSld>
+    <p:bg>
+      <p:bgPr>
+        <a:gradFill flip="none" rotWithShape="1">
+          <a:gsLst>
+            <a:gs pos="0">
+              <a:schemeClr val="accent3">
+                <a:lumMod val="5000"/>
+                <a:lumOff val="95000"/>
+              </a:schemeClr>
+            </a:gs>
+            <a:gs pos="74000">
+              <a:schemeClr val="accent3">
+                <a:lumMod val="45000"/>
+                <a:lumOff val="55000"/>
+              </a:schemeClr>
+            </a:gs>
+            <a:gs pos="83000">
+              <a:schemeClr val="accent3">
+                <a:lumMod val="45000"/>
+                <a:lumOff val="55000"/>
+              </a:schemeClr>
+            </a:gs>
+            <a:gs pos="100000">
+              <a:schemeClr val="accent3">
+                <a:lumMod val="30000"/>
+                <a:lumOff val="70000"/>
+              </a:schemeClr>
+            </a:gs>
+          </a:gsLst>
+          <a:lin ang="5400000" scaled="1"/>
+          <a:tileRect/>
+        </a:gradFill>
+        <a:effectLst/>
+      </p:bgPr>
+    </p:bg>
     <p:spTree>
       <p:nvGrpSpPr>
         <p:cNvPr id="1" name=""/>
@@ -3476,7 +3896,7 @@
         <p:spPr>
           <a:xfrm>
             <a:off x="0" y="365760"/>
-            <a:ext cx="3958046" cy="400110"/>
+            <a:ext cx="3958046" cy="707886"/>
           </a:xfrm>
           <a:prstGeom prst="rect">
             <a:avLst/>
@@ -3490,18 +3910,65 @@
           <a:lstStyle/>
           <a:p>
             <a:r>
-              <a:rPr lang="en-GB" sz="2000" b="1" dirty="0"/>
+              <a:rPr lang="en-GB" sz="4000" b="1" dirty="0"/>
               <a:t>Link list</a:t>
             </a:r>
           </a:p>
         </p:txBody>
       </p:sp>
-      <p:sp>
-        <p:nvSpPr>
-          <p:cNvPr id="7" name="TextBox 6">
-            <a:extLst>
-              <a:ext uri="{FF2B5EF4-FFF2-40B4-BE49-F238E27FC236}">
-                <a16:creationId xmlns:a16="http://schemas.microsoft.com/office/drawing/2014/main" id="{96ED9C19-6508-4BF8-B0F8-FAEA1B9D1B4B}"/>
+      <p:pic>
+        <p:nvPicPr>
+          <p:cNvPr id="2050" name="Picture 2" descr="innovative-ideas - HPT - Heat Pumping Technologies">
+            <a:extLst>
+              <a:ext uri="{FF2B5EF4-FFF2-40B4-BE49-F238E27FC236}">
+                <a16:creationId xmlns:a16="http://schemas.microsoft.com/office/drawing/2014/main" id="{D4068638-D694-4DF6-BD0C-9D0DE3633072}"/>
+              </a:ext>
+            </a:extLst>
+          </p:cNvPr>
+          <p:cNvPicPr>
+            <a:picLocks noChangeAspect="1" noChangeArrowheads="1"/>
+          </p:cNvPicPr>
+          <p:nvPr/>
+        </p:nvPicPr>
+        <p:blipFill>
+          <a:blip r:embed="rId2">
+            <a:extLst>
+              <a:ext uri="{28A0092B-C50C-407E-A947-70E740481C1C}">
+                <a14:useLocalDpi xmlns:a14="http://schemas.microsoft.com/office/drawing/2010/main" val="0"/>
+              </a:ext>
+            </a:extLst>
+          </a:blip>
+          <a:srcRect/>
+          <a:stretch>
+            <a:fillRect/>
+          </a:stretch>
+        </p:blipFill>
+        <p:spPr bwMode="auto">
+          <a:xfrm>
+            <a:off x="10105647" y="1"/>
+            <a:ext cx="2086353" cy="2100262"/>
+          </a:xfrm>
+          <a:prstGeom prst="rect">
+            <a:avLst/>
+          </a:prstGeom>
+          <a:noFill/>
+          <a:extLst>
+            <a:ext uri="{909E8E84-426E-40DD-AFC4-6F175D3DCCD1}">
+              <a14:hiddenFill xmlns:a14="http://schemas.microsoft.com/office/drawing/2010/main">
+                <a:solidFill>
+                  <a:srgbClr val="FFFFFF"/>
+                </a:solidFill>
+              </a14:hiddenFill>
+            </a:ext>
+          </a:extLst>
+        </p:spPr>
+      </p:pic>
+      <p:sp>
+        <p:nvSpPr>
+          <p:cNvPr id="5" name="TextBox 4">
+            <a:extLst>
+              <a:ext uri="{FF2B5EF4-FFF2-40B4-BE49-F238E27FC236}">
+                <a16:creationId xmlns:a16="http://schemas.microsoft.com/office/drawing/2014/main" id="{8AC91E99-5062-4A8A-9521-17FBA074D5D4}"/>
               </a:ext>
             </a:extLst>
           </p:cNvPr>
@@ -3510,8 +3977,8 @@
         </p:nvSpPr>
         <p:spPr>
           <a:xfrm>
-            <a:off x="209006" y="1410789"/>
-            <a:ext cx="6244046" cy="3416320"/>
+            <a:off x="0" y="1271588"/>
+            <a:ext cx="8086725" cy="2308324"/>
           </a:xfrm>
           <a:prstGeom prst="rect">
             <a:avLst/>
@@ -3530,9 +3997,15 @@
             </a:pPr>
             <a:r>
               <a:rPr lang="en-GB" dirty="0">
-                <a:hlinkClick r:id="rId2"/>
+                <a:hlinkClick r:id="rId3">
+                  <a:extLst>
+                    <a:ext uri="{A12FA001-AC4F-418D-AE19-62706E023703}">
+                      <ahyp:hlinkClr xmlns:ahyp="http://schemas.microsoft.com/office/drawing/2018/hyperlinkcolor" val="tx"/>
+                    </a:ext>
+                  </a:extLst>
+                </a:hlinkClick>
               </a:rPr>
-              <a:t>https://arxiv.org/abs/2003.13630</a:t>
+              <a:t>https://arxiv.org/abs/2004.10934</a:t>
             </a:r>
             <a:endParaRPr lang="en-GB" dirty="0"/>
           </a:p>
@@ -3543,9 +4016,15 @@
             </a:pPr>
             <a:r>
               <a:rPr lang="en-GB" dirty="0">
-                <a:hlinkClick r:id="rId3"/>
+                <a:hlinkClick r:id="rId4">
+                  <a:extLst>
+                    <a:ext uri="{A12FA001-AC4F-418D-AE19-62706E023703}">
+                      <ahyp:hlinkClr xmlns:ahyp="http://schemas.microsoft.com/office/drawing/2018/hyperlinkcolor" val="tx"/>
+                    </a:ext>
+                  </a:extLst>
+                </a:hlinkClick>
               </a:rPr>
-              <a:t>https://github.com/Alibaba-MIIL/TResNet</a:t>
+              <a:t>https://arxiv.org/abs/1803.01534</a:t>
             </a:r>
             <a:endParaRPr lang="en-GB" dirty="0"/>
           </a:p>
@@ -3556,9 +4035,15 @@
             </a:pPr>
             <a:r>
               <a:rPr lang="en-GB" dirty="0">
-                <a:hlinkClick r:id="rId4"/>
+                <a:hlinkClick r:id="rId5">
+                  <a:extLst>
+                    <a:ext uri="{A12FA001-AC4F-418D-AE19-62706E023703}">
+                      <ahyp:hlinkClr xmlns:ahyp="http://schemas.microsoft.com/office/drawing/2018/hyperlinkcolor" val="tx"/>
+                    </a:ext>
+                  </a:extLst>
+                </a:hlinkClick>
               </a:rPr>
-              <a:t>https://github.com/rwightman/pytorch-image-models</a:t>
+              <a:t>https://arxiv.org/abs/2003.13630</a:t>
             </a:r>
             <a:endParaRPr lang="en-GB" dirty="0"/>
           </a:p>
@@ -3569,9 +4054,15 @@
             </a:pPr>
             <a:r>
               <a:rPr lang="en-GB" dirty="0">
-                <a:hlinkClick r:id="rId5"/>
+                <a:hlinkClick r:id="rId6">
+                  <a:extLst>
+                    <a:ext uri="{A12FA001-AC4F-418D-AE19-62706E023703}">
+                      <ahyp:hlinkClr xmlns:ahyp="http://schemas.microsoft.com/office/drawing/2018/hyperlinkcolor" val="tx"/>
+                    </a:ext>
+                  </a:extLst>
+                </a:hlinkClick>
               </a:rPr>
-              <a:t>https://paperswithcode.com/paper/cspnet-a-new-backbone-that-can-enhance</a:t>
+              <a:t>https://github.com/Alibaba-MIIL/TResNet</a:t>
             </a:r>
             <a:endParaRPr lang="en-GB" dirty="0"/>
           </a:p>
@@ -3582,9 +4073,15 @@
             </a:pPr>
             <a:r>
               <a:rPr lang="en-GB" dirty="0">
-                <a:hlinkClick r:id="rId6"/>
+                <a:hlinkClick r:id="rId7">
+                  <a:extLst>
+                    <a:ext uri="{A12FA001-AC4F-418D-AE19-62706E023703}">
+                      <ahyp:hlinkClr xmlns:ahyp="http://schemas.microsoft.com/office/drawing/2018/hyperlinkcolor" val="tx"/>
+                    </a:ext>
+                  </a:extLst>
+                </a:hlinkClick>
               </a:rPr>
-              <a:t>https://arxiv.org/abs/1803.01534</a:t>
+              <a:t>https://github.com/rwightman/pytorch-image-models</a:t>
             </a:r>
             <a:endParaRPr lang="en-GB" dirty="0"/>
           </a:p>
@@ -3595,9 +4092,15 @@
             </a:pPr>
             <a:r>
               <a:rPr lang="en-GB" dirty="0">
-                <a:hlinkClick r:id="rId7"/>
+                <a:hlinkClick r:id="rId8">
+                  <a:extLst>
+                    <a:ext uri="{A12FA001-AC4F-418D-AE19-62706E023703}">
+                      <ahyp:hlinkClr xmlns:ahyp="http://schemas.microsoft.com/office/drawing/2018/hyperlinkcolor" val="tx"/>
+                    </a:ext>
+                  </a:extLst>
+                </a:hlinkClick>
               </a:rPr>
-              <a:t>https://arxiv.org/abs/2004.10934</a:t>
+              <a:t>https://arxiv.org/pdf/1812.01187.pdf</a:t>
             </a:r>
             <a:endParaRPr lang="en-GB" dirty="0"/>
           </a:p>
@@ -3608,9 +4111,15 @@
             </a:pPr>
             <a:r>
               <a:rPr lang="en-GB" dirty="0">
-                <a:hlinkClick r:id="rId8"/>
+                <a:hlinkClick r:id="rId5">
+                  <a:extLst>
+                    <a:ext uri="{A12FA001-AC4F-418D-AE19-62706E023703}">
+                      <ahyp:hlinkClr xmlns:ahyp="http://schemas.microsoft.com/office/drawing/2018/hyperlinkcolor" val="tx"/>
+                    </a:ext>
+                  </a:extLst>
+                </a:hlinkClick>
               </a:rPr>
-              <a:t>https://www.sciencedirect.com/science/article/abs/pii/S1383762119302656</a:t>
+              <a:t>https://arxiv.org/abs/2003.13630</a:t>
             </a:r>
             <a:endParaRPr lang="en-GB" dirty="0"/>
           </a:p>
@@ -3620,26 +4129,9 @@
               <a:buAutoNum type="arabicPeriod"/>
             </a:pPr>
             <a:r>
-              <a:rPr lang="en-GB" dirty="0">
-                <a:hlinkClick r:id="rId9"/>
-              </a:rPr>
-              <a:t>https://arxiv.org/pdf/1812.01187.pdf</a:t>
-            </a:r>
-            <a:endParaRPr lang="en-GB" dirty="0"/>
-          </a:p>
-          <a:p>
-            <a:pPr marL="342900" indent="-342900">
-              <a:buFont typeface="+mj-lt"/>
-              <a:buAutoNum type="arabicPeriod"/>
-            </a:pPr>
-            <a:endParaRPr lang="en-GB" dirty="0"/>
-          </a:p>
-          <a:p>
-            <a:pPr marL="342900" indent="-342900">
-              <a:buFont typeface="+mj-lt"/>
-              <a:buAutoNum type="arabicPeriod"/>
-            </a:pPr>
-            <a:endParaRPr lang="en-GB" dirty="0"/>
+              <a:rPr lang="en-GB" dirty="0"/>
+              <a:t>https://towardsdatascience.com/python-performance-and-gpus-1be860ffd58d</a:t>
+            </a:r>
           </a:p>
         </p:txBody>
       </p:sp>
@@ -3659,6 +4151,41 @@
 <file path=ppt/slides/slide3.xml><?xml version="1.0" encoding="utf-8"?>
 <p:sld xmlns:a="http://schemas.openxmlformats.org/drawingml/2006/main" xmlns:r="http://schemas.openxmlformats.org/officeDocument/2006/relationships" xmlns:p="http://schemas.openxmlformats.org/presentationml/2006/main">
   <p:cSld>
+    <p:bg>
+      <p:bgPr>
+        <a:gradFill flip="none" rotWithShape="1">
+          <a:gsLst>
+            <a:gs pos="0">
+              <a:schemeClr val="accent3">
+                <a:lumMod val="5000"/>
+                <a:lumOff val="95000"/>
+              </a:schemeClr>
+            </a:gs>
+            <a:gs pos="74000">
+              <a:schemeClr val="accent3">
+                <a:lumMod val="45000"/>
+                <a:lumOff val="55000"/>
+              </a:schemeClr>
+            </a:gs>
+            <a:gs pos="83000">
+              <a:schemeClr val="accent3">
+                <a:lumMod val="45000"/>
+                <a:lumOff val="55000"/>
+              </a:schemeClr>
+            </a:gs>
+            <a:gs pos="100000">
+              <a:schemeClr val="accent3">
+                <a:lumMod val="30000"/>
+                <a:lumOff val="70000"/>
+              </a:schemeClr>
+            </a:gs>
+          </a:gsLst>
+          <a:lin ang="5400000" scaled="1"/>
+          <a:tileRect/>
+        </a:gradFill>
+        <a:effectLst/>
+      </p:bgPr>
+    </p:bg>
     <p:spTree>
       <p:nvGrpSpPr>
         <p:cNvPr id="1" name=""/>
@@ -3726,7 +4253,7 @@
         <p:spPr>
           <a:xfrm>
             <a:off x="0" y="365760"/>
-            <a:ext cx="3958046" cy="400110"/>
+            <a:ext cx="3958046" cy="707886"/>
           </a:xfrm>
           <a:prstGeom prst="rect">
             <a:avLst/>
@@ -3740,18 +4267,65 @@
           <a:lstStyle/>
           <a:p>
             <a:r>
-              <a:rPr lang="en-GB" sz="2000" b="1" dirty="0"/>
-              <a:t>Task Details</a:t>
+              <a:rPr lang="en-GB" sz="4000" b="1" dirty="0"/>
+              <a:t>Task List</a:t>
             </a:r>
           </a:p>
         </p:txBody>
       </p:sp>
       <p:pic>
         <p:nvPicPr>
-          <p:cNvPr id="5" name="Picture 4">
-            <a:extLst>
-              <a:ext uri="{FF2B5EF4-FFF2-40B4-BE49-F238E27FC236}">
-                <a16:creationId xmlns:a16="http://schemas.microsoft.com/office/drawing/2014/main" id="{C5CBB04A-95F1-4E8B-88B3-3BB7C90EA4DE}"/>
+          <p:cNvPr id="2050" name="Picture 2" descr="innovative-ideas - HPT - Heat Pumping Technologies">
+            <a:extLst>
+              <a:ext uri="{FF2B5EF4-FFF2-40B4-BE49-F238E27FC236}">
+                <a16:creationId xmlns:a16="http://schemas.microsoft.com/office/drawing/2014/main" id="{D4068638-D694-4DF6-BD0C-9D0DE3633072}"/>
+              </a:ext>
+            </a:extLst>
+          </p:cNvPr>
+          <p:cNvPicPr>
+            <a:picLocks noChangeAspect="1" noChangeArrowheads="1"/>
+          </p:cNvPicPr>
+          <p:nvPr/>
+        </p:nvPicPr>
+        <p:blipFill>
+          <a:blip r:embed="rId2">
+            <a:extLst>
+              <a:ext uri="{28A0092B-C50C-407E-A947-70E740481C1C}">
+                <a14:useLocalDpi xmlns:a14="http://schemas.microsoft.com/office/drawing/2010/main" val="0"/>
+              </a:ext>
+            </a:extLst>
+          </a:blip>
+          <a:srcRect/>
+          <a:stretch>
+            <a:fillRect/>
+          </a:stretch>
+        </p:blipFill>
+        <p:spPr bwMode="auto">
+          <a:xfrm>
+            <a:off x="10105647" y="1"/>
+            <a:ext cx="2086353" cy="2100262"/>
+          </a:xfrm>
+          <a:prstGeom prst="rect">
+            <a:avLst/>
+          </a:prstGeom>
+          <a:noFill/>
+          <a:extLst>
+            <a:ext uri="{909E8E84-426E-40DD-AFC4-6F175D3DCCD1}">
+              <a14:hiddenFill xmlns:a14="http://schemas.microsoft.com/office/drawing/2010/main">
+                <a:solidFill>
+                  <a:srgbClr val="FFFFFF"/>
+                </a:solidFill>
+              </a14:hiddenFill>
+            </a:ext>
+          </a:extLst>
+        </p:spPr>
+      </p:pic>
+      <p:pic>
+        <p:nvPicPr>
+          <p:cNvPr id="4" name="Picture 3">
+            <a:extLst>
+              <a:ext uri="{FF2B5EF4-FFF2-40B4-BE49-F238E27FC236}">
+                <a16:creationId xmlns:a16="http://schemas.microsoft.com/office/drawing/2014/main" id="{4E36B207-4C90-48AB-9BD7-36CA32700BDA}"/>
               </a:ext>
             </a:extLst>
           </p:cNvPr>
@@ -3761,15 +4335,15 @@
           <p:nvPr/>
         </p:nvPicPr>
         <p:blipFill>
-          <a:blip r:embed="rId2"/>
+          <a:blip r:embed="rId3"/>
           <a:stretch>
             <a:fillRect/>
           </a:stretch>
         </p:blipFill>
         <p:spPr>
           <a:xfrm>
-            <a:off x="431076" y="1273455"/>
-            <a:ext cx="11090366" cy="4786545"/>
+            <a:off x="285749" y="2209943"/>
+            <a:ext cx="9648825" cy="4164384"/>
           </a:xfrm>
           <a:prstGeom prst="rect">
             <a:avLst/>
@@ -3779,7 +4353,7 @@
     </p:spTree>
     <p:extLst>
       <p:ext uri="{BB962C8B-B14F-4D97-AF65-F5344CB8AC3E}">
-        <p14:creationId xmlns:p14="http://schemas.microsoft.com/office/powerpoint/2010/main" val="2779285306"/>
+        <p14:creationId xmlns:p14="http://schemas.microsoft.com/office/powerpoint/2010/main" val="2573498355"/>
       </p:ext>
     </p:extLst>
   </p:cSld>
